--- a/프로젝트 중간 발표.pptx
+++ b/프로젝트 중간 발표.pptx
@@ -2,7 +2,7 @@
 <file path=ppt/presentation.xml><?xml version="1.0" encoding="utf-8"?>
 <p:presentation xmlns:r="http://schemas.openxmlformats.org/officeDocument/2006/relationships" xmlns:c="http://schemas.openxmlformats.org/drawingml/2006/chart" xmlns:a="http://schemas.openxmlformats.org/drawingml/2006/main" xmlns:dgm="http://schemas.openxmlformats.org/drawingml/2006/diagram" xmlns:dsp="http://schemas.microsoft.com/office/drawing/2008/diagram" xmlns:p="http://schemas.openxmlformats.org/presentationml/2006/main" saveSubsetFonts="1">
   <p:sldMasterIdLst>
-    <p:sldMasterId id="2147483675" r:id="rId1"/>
+    <p:sldMasterId id="2147483663" r:id="rId1"/>
   </p:sldMasterIdLst>
   <p:handoutMasterIdLst>
     <p:handoutMasterId r:id="rId2"/>
@@ -214,7 +214,7 @@
               <a:pPr lvl="0">
                 <a:defRPr/>
               </a:pPr>
-              <a:t>2021-11-26</a:t>
+              <a:t>2021-12-22</a:t>
             </a:fld>
             <a:endParaRPr lang="ko-KR" altLang="en-US"/>
           </a:p>
@@ -11140,7 +11140,7 @@
 </file>
 
 <file path=ppt/slides/slide8.xml><?xml version="1.0" encoding="utf-8"?>
-<p:sld xmlns:a="http://schemas.openxmlformats.org/drawingml/2006/main" xmlns:r="http://schemas.openxmlformats.org/officeDocument/2006/relationships" xmlns:p="http://schemas.openxmlformats.org/presentationml/2006/main">
+<p:sld xmlns:r="http://schemas.openxmlformats.org/officeDocument/2006/relationships" xmlns:c="http://schemas.openxmlformats.org/drawingml/2006/chart" xmlns:a="http://schemas.openxmlformats.org/drawingml/2006/main" xmlns:dgm="http://schemas.openxmlformats.org/drawingml/2006/diagram" xmlns:dsp="http://schemas.microsoft.com/office/drawing/2008/diagram" xmlns:p="http://schemas.openxmlformats.org/presentationml/2006/main">
   <p:cSld>
     <p:spTree>
       <p:nvGrpSpPr>
@@ -11204,8 +11204,8 @@
         </p:blipFill>
         <p:spPr>
           <a:xfrm>
-            <a:off x="6856142" y="1259356"/>
-            <a:ext cx="4659327" cy="4659327"/>
+            <a:off x="8435288" y="1259356"/>
+            <a:ext cx="3080182" cy="4659327"/>
           </a:xfrm>
           <a:prstGeom prst="rect">
             <a:avLst/>
@@ -11214,14 +11214,14 @@
       </p:pic>
       <p:sp>
         <p:nvSpPr>
-          <p:cNvPr id="80" name="TextBox 6"/>
+          <p:cNvPr id="83" name="TextBox 41"/>
           <p:cNvSpPr txBox="1"/>
           <p:nvPr/>
         </p:nvSpPr>
         <p:spPr>
           <a:xfrm>
-            <a:off x="1648759" y="3044839"/>
-            <a:ext cx="1406707" cy="923330"/>
+            <a:off x="8798670" y="583577"/>
+            <a:ext cx="2865791" cy="547993"/>
           </a:xfrm>
           <a:prstGeom prst="rect">
             <a:avLst/>
@@ -11234,104 +11234,47 @@
           </a:bodyPr>
           <a:lstStyle/>
           <a:p>
-            <a:pPr marL="342900" indent="-342900">
-              <a:buFont typeface="Wingdings" panose="05000000000000000000" pitchFamily="2" charset="2"/>
-              <a:buChar char="ü"/>
-              <a:defRPr/>
-            </a:pPr>
-            <a:r>
-              <a:rPr lang="ko-KR" altLang="en-US" sz="2400" dirty="0">
-                <a:latin typeface="페이북 Bold" panose="00000800000000000000" pitchFamily="2" charset="-127"/>
-                <a:ea typeface="페이북 Bold" panose="00000800000000000000" pitchFamily="2" charset="-127"/>
-              </a:rPr>
-              <a:t>레시피 </a:t>
-            </a:r>
-          </a:p>
-          <a:p>
             <a:pPr>
               <a:defRPr/>
             </a:pPr>
-            <a:endParaRPr lang="ko-KR" altLang="en-US" sz="1500" dirty="0">
-              <a:latin typeface="페이북 Bold" panose="00000800000000000000" pitchFamily="2" charset="-127"/>
-              <a:ea typeface="페이북 Bold" panose="00000800000000000000" pitchFamily="2" charset="-127"/>
-            </a:endParaRPr>
-          </a:p>
-          <a:p>
-            <a:pPr>
-              <a:defRPr/>
-            </a:pPr>
-            <a:endParaRPr lang="ko-KR" altLang="en-US" sz="1500" dirty="0">
-              <a:latin typeface="페이북 Bold" panose="00000800000000000000" pitchFamily="2" charset="-127"/>
-              <a:ea typeface="페이북 Bold" panose="00000800000000000000" pitchFamily="2" charset="-127"/>
-            </a:endParaRPr>
-          </a:p>
-        </p:txBody>
-      </p:sp>
-      <p:pic>
-        <p:nvPicPr>
-          <p:cNvPr id="81" name="그림 80"/>
-          <p:cNvPicPr>
-            <a:picLocks noChangeAspect="1"/>
-          </p:cNvPicPr>
-          <p:nvPr/>
-        </p:nvPicPr>
-        <p:blipFill rotWithShape="1">
-          <a:blip r:embed="rId3"/>
-          <a:stretch>
-            <a:fillRect/>
-          </a:stretch>
-        </p:blipFill>
-        <p:spPr>
-          <a:xfrm>
-            <a:off x="1300865" y="3727484"/>
-            <a:ext cx="2102496" cy="2102496"/>
-          </a:xfrm>
-          <a:prstGeom prst="rect">
-            <a:avLst/>
-          </a:prstGeom>
-        </p:spPr>
-      </p:pic>
-      <p:pic>
-        <p:nvPicPr>
-          <p:cNvPr id="82" name="그림 81"/>
-          <p:cNvPicPr>
-            <a:picLocks noChangeAspect="1"/>
-          </p:cNvPicPr>
-          <p:nvPr/>
-        </p:nvPicPr>
-        <p:blipFill rotWithShape="1">
-          <a:blip r:embed="rId4"/>
-          <a:srcRect/>
-          <a:stretch>
-            <a:fillRect/>
-          </a:stretch>
-        </p:blipFill>
-        <p:spPr>
-          <a:xfrm>
-            <a:off x="3895276" y="3708924"/>
-            <a:ext cx="2121056" cy="2121056"/>
-          </a:xfrm>
-          <a:prstGeom prst="rect">
-            <a:avLst/>
-          </a:prstGeom>
-        </p:spPr>
-      </p:pic>
-      <p:sp>
-        <p:nvSpPr>
-          <p:cNvPr id="13" name="TextBox 12">
-            <a:extLst>
-              <a:ext uri="{FF2B5EF4-FFF2-40B4-BE49-F238E27FC236}">
-                <a16:creationId xmlns:a16="http://schemas.microsoft.com/office/drawing/2014/main" id="{EE2CB248-C1FB-448E-818B-E47AC284AC4A}"/>
-              </a:ext>
-            </a:extLst>
-          </p:cNvPr>
+            <a:r>
+              <a:rPr lang="ko-KR" altLang="en-US" sz="3000">
+                <a:latin typeface="페이북 Bold"/>
+                <a:ea typeface="페이북 Bold"/>
+              </a:rPr>
+              <a:t>영상</a:t>
+            </a:r>
+            <a:r>
+              <a:rPr lang="en-US" altLang="ko-KR" sz="3000">
+                <a:latin typeface="페이북 Bold"/>
+                <a:ea typeface="페이북 Bold"/>
+              </a:rPr>
+              <a:t>/</a:t>
+            </a:r>
+            <a:r>
+              <a:rPr lang="ko-KR" altLang="en-US" sz="3000">
+                <a:latin typeface="페이북 Bold"/>
+                <a:ea typeface="페이북 Bold"/>
+              </a:rPr>
+              <a:t>이미지</a:t>
+            </a:r>
+            <a:endParaRPr lang="ko-KR" altLang="en-US" sz="3000">
+              <a:latin typeface="페이북 Bold"/>
+              <a:ea typeface="페이북 Bold"/>
+            </a:endParaRPr>
+          </a:p>
+        </p:txBody>
+      </p:sp>
+      <p:sp>
+        <p:nvSpPr>
+          <p:cNvPr id="84" name=""/>
           <p:cNvSpPr txBox="1"/>
           <p:nvPr/>
         </p:nvSpPr>
         <p:spPr>
           <a:xfrm>
-            <a:off x="811038" y="1703183"/>
-            <a:ext cx="3760962" cy="553998"/>
+            <a:off x="1003799" y="2386772"/>
+            <a:ext cx="3600452" cy="1554673"/>
           </a:xfrm>
           <a:prstGeom prst="rect">
             <a:avLst/>
@@ -11342,40 +11285,371 @@
           <a:bodyPr wrap="square">
             <a:spAutoFit/>
           </a:bodyPr>
-          <a:lstStyle/>
+          <a:p>
+            <a:pPr algn="ctr">
+              <a:defRPr/>
+            </a:pPr>
+            <a:r>
+              <a:rPr lang="ko-KR" altLang="en-US" sz="1600" b="0" spc="-100">
+                <a:solidFill>
+                  <a:schemeClr val="bg2">
+                    <a:lumMod val="25000"/>
+                  </a:schemeClr>
+                </a:solidFill>
+                <a:latin typeface="+mn-ea"/>
+                <a:ea typeface="+mn-ea"/>
+              </a:rPr>
+              <a:t>예시는 하나의 사례로 간단하게 제시한 것이므로 프로젝트의 성격에 따라 보다 자세하게 기록하며</a:t>
+            </a:r>
+            <a:r>
+              <a:rPr lang="en-US" altLang="ko-KR" sz="1600" b="0" spc="-100">
+                <a:solidFill>
+                  <a:schemeClr val="bg2">
+                    <a:lumMod val="25000"/>
+                  </a:schemeClr>
+                </a:solidFill>
+                <a:latin typeface="+mn-ea"/>
+                <a:ea typeface="+mn-ea"/>
+              </a:rPr>
+              <a:t>, </a:t>
+            </a:r>
+            <a:r>
+              <a:rPr lang="ko-KR" altLang="en-US" sz="1600" b="0" spc="-100">
+                <a:solidFill>
+                  <a:schemeClr val="bg2">
+                    <a:lumMod val="25000"/>
+                  </a:schemeClr>
+                </a:solidFill>
+                <a:latin typeface="+mn-ea"/>
+                <a:ea typeface="+mn-ea"/>
+              </a:rPr>
+              <a:t>결과를 서술하는 과정에서는 활용된 기술</a:t>
+            </a:r>
+            <a:r>
+              <a:rPr lang="en-US" altLang="ko-KR" sz="1600" b="0" spc="-100">
+                <a:solidFill>
+                  <a:schemeClr val="bg2">
+                    <a:lumMod val="25000"/>
+                  </a:schemeClr>
+                </a:solidFill>
+                <a:latin typeface="+mn-ea"/>
+                <a:ea typeface="+mn-ea"/>
+              </a:rPr>
+              <a:t>(</a:t>
+            </a:r>
+            <a:r>
+              <a:rPr lang="ko-KR" altLang="en-US" sz="1600" b="0" spc="-100">
+                <a:solidFill>
+                  <a:schemeClr val="bg2">
+                    <a:lumMod val="25000"/>
+                  </a:schemeClr>
+                </a:solidFill>
+                <a:latin typeface="+mn-ea"/>
+                <a:ea typeface="+mn-ea"/>
+              </a:rPr>
+              <a:t>구현 방법</a:t>
+            </a:r>
+            <a:r>
+              <a:rPr lang="en-US" altLang="ko-KR" sz="1600" b="0" spc="-100">
+                <a:solidFill>
+                  <a:schemeClr val="bg2">
+                    <a:lumMod val="25000"/>
+                  </a:schemeClr>
+                </a:solidFill>
+                <a:latin typeface="+mn-ea"/>
+                <a:ea typeface="+mn-ea"/>
+              </a:rPr>
+              <a:t>), </a:t>
+            </a:r>
+            <a:r>
+              <a:rPr lang="ko-KR" altLang="en-US" sz="1600" b="0" spc="-100">
+                <a:solidFill>
+                  <a:schemeClr val="bg2">
+                    <a:lumMod val="25000"/>
+                  </a:schemeClr>
+                </a:solidFill>
+                <a:latin typeface="+mn-ea"/>
+                <a:ea typeface="+mn-ea"/>
+              </a:rPr>
+              <a:t>핵심기능</a:t>
+            </a:r>
+            <a:r>
+              <a:rPr lang="en-US" altLang="ko-KR" sz="1600" b="0" spc="-100">
+                <a:solidFill>
+                  <a:schemeClr val="bg2">
+                    <a:lumMod val="25000"/>
+                  </a:schemeClr>
+                </a:solidFill>
+                <a:latin typeface="+mn-ea"/>
+                <a:ea typeface="+mn-ea"/>
+              </a:rPr>
+              <a:t>, </a:t>
+            </a:r>
+            <a:r>
+              <a:rPr lang="ko-KR" altLang="en-US" sz="1600" b="0" spc="-100">
+                <a:solidFill>
+                  <a:schemeClr val="bg2">
+                    <a:lumMod val="25000"/>
+                  </a:schemeClr>
+                </a:solidFill>
+                <a:latin typeface="+mn-ea"/>
+                <a:ea typeface="+mn-ea"/>
+              </a:rPr>
+              <a:t>검증 결과</a:t>
+            </a:r>
+            <a:r>
+              <a:rPr lang="en-US" altLang="ko-KR" sz="1600" b="0" spc="-100">
+                <a:solidFill>
+                  <a:schemeClr val="bg2">
+                    <a:lumMod val="25000"/>
+                  </a:schemeClr>
+                </a:solidFill>
+                <a:latin typeface="+mn-ea"/>
+                <a:ea typeface="+mn-ea"/>
+              </a:rPr>
+              <a:t>*</a:t>
+            </a:r>
+            <a:r>
+              <a:rPr lang="ko-KR" altLang="en-US" sz="1600" b="0" spc="-100">
+                <a:solidFill>
+                  <a:schemeClr val="bg2">
+                    <a:lumMod val="25000"/>
+                  </a:schemeClr>
+                </a:solidFill>
+                <a:latin typeface="+mn-ea"/>
+                <a:ea typeface="+mn-ea"/>
+              </a:rPr>
+              <a:t> 등을 상세히 기재한다</a:t>
+            </a:r>
+            <a:r>
+              <a:rPr lang="en-US" altLang="ko-KR" sz="1600" b="0" spc="-100">
+                <a:solidFill>
+                  <a:schemeClr val="bg2">
+                    <a:lumMod val="25000"/>
+                  </a:schemeClr>
+                </a:solidFill>
+                <a:latin typeface="+mn-ea"/>
+                <a:ea typeface="+mn-ea"/>
+              </a:rPr>
+              <a:t>.</a:t>
+            </a:r>
+            <a:endParaRPr lang="en-US" altLang="ko-KR" sz="1600" b="0" spc="-100">
+              <a:solidFill>
+                <a:schemeClr val="bg2">
+                  <a:lumMod val="25000"/>
+                </a:schemeClr>
+              </a:solidFill>
+              <a:latin typeface="+mn-ea"/>
+              <a:ea typeface="+mn-ea"/>
+            </a:endParaRPr>
+          </a:p>
+          <a:p>
+            <a:pPr algn="ctr">
+              <a:defRPr/>
+            </a:pPr>
+            <a:r>
+              <a:rPr lang="en-US" altLang="ko-KR" sz="1600" b="0" spc="-100">
+                <a:solidFill>
+                  <a:schemeClr val="bg2">
+                    <a:lumMod val="25000"/>
+                  </a:schemeClr>
+                </a:solidFill>
+                <a:latin typeface="+mn-ea"/>
+              </a:rPr>
+              <a:t>   * </a:t>
+            </a:r>
+            <a:r>
+              <a:rPr lang="ko-KR" altLang="en-US" sz="1600" b="0" spc="-100">
+                <a:solidFill>
+                  <a:schemeClr val="bg2">
+                    <a:lumMod val="25000"/>
+                  </a:schemeClr>
+                </a:solidFill>
+                <a:latin typeface="+mn-ea"/>
+              </a:rPr>
+              <a:t>예</a:t>
+            </a:r>
+            <a:r>
+              <a:rPr lang="en-US" altLang="ko-KR" sz="1600" b="0" spc="-100">
+                <a:solidFill>
+                  <a:schemeClr val="bg2">
+                    <a:lumMod val="25000"/>
+                  </a:schemeClr>
+                </a:solidFill>
+                <a:latin typeface="+mn-ea"/>
+              </a:rPr>
+              <a:t>. </a:t>
+            </a:r>
+            <a:r>
+              <a:rPr lang="ko-KR" altLang="en-US" sz="1600" b="0" spc="-100">
+                <a:solidFill>
+                  <a:schemeClr val="bg2">
+                    <a:lumMod val="25000"/>
+                  </a:schemeClr>
+                </a:solidFill>
+                <a:latin typeface="+mn-ea"/>
+              </a:rPr>
+              <a:t>빅데이터의 경우 정확도 등</a:t>
+            </a:r>
+            <a:endParaRPr lang="en-US" altLang="en-US" sz="2000">
+              <a:latin typeface="에스코어 드림 6 Bold"/>
+              <a:ea typeface="에스코어 드림 6 Bold"/>
+            </a:endParaRPr>
+          </a:p>
+        </p:txBody>
+      </p:sp>
+      <p:sp>
+        <p:nvSpPr>
+          <p:cNvPr id="85" name="TextBox 2"/>
+          <p:cNvSpPr txBox="1"/>
+          <p:nvPr/>
+        </p:nvSpPr>
+        <p:spPr>
+          <a:xfrm>
+            <a:off x="4810180" y="2283518"/>
+            <a:ext cx="3340321" cy="2290964"/>
+          </a:xfrm>
+          <a:prstGeom prst="rect">
+            <a:avLst/>
+          </a:prstGeom>
+          <a:noFill/>
+        </p:spPr>
+        <p:txBody>
+          <a:bodyPr wrap="square">
+            <a:spAutoFit/>
+          </a:bodyPr>
+          <a:lstStyle/>
+          <a:p>
+            <a:pPr marL="285750" indent="-285750">
+              <a:lnSpc>
+                <a:spcPct val="150000"/>
+              </a:lnSpc>
+              <a:buFontTx/>
+              <a:buChar char="-"/>
+              <a:defRPr/>
+            </a:pPr>
+            <a:r>
+              <a:rPr lang="ko-KR" altLang="en-US" sz="1600" b="0" spc="-100">
+                <a:solidFill>
+                  <a:schemeClr val="bg2">
+                    <a:lumMod val="25000"/>
+                  </a:schemeClr>
+                </a:solidFill>
+                <a:latin typeface="+mn-ea"/>
+                <a:ea typeface="+mn-ea"/>
+              </a:rPr>
+              <a:t>프로젝트의 결과는 그 과정이 잘 드러날 수 있도록 가공 과정부터 활용까지 전체적인 프로세스를 확인할 수 있도록 단계별로 작성</a:t>
+            </a:r>
+            <a:endParaRPr lang="ko-KR" altLang="en-US" sz="1600" b="0" spc="-100">
+              <a:solidFill>
+                <a:schemeClr val="bg2">
+                  <a:lumMod val="25000"/>
+                </a:schemeClr>
+              </a:solidFill>
+              <a:latin typeface="+mn-ea"/>
+              <a:ea typeface="+mn-ea"/>
+            </a:endParaRPr>
+          </a:p>
           <a:p>
             <a:pPr>
-              <a:defRPr/>
-            </a:pPr>
-            <a:r>
-              <a:rPr lang="ko-KR" altLang="en-US" sz="3000">
-                <a:latin typeface="페이북 Bold" panose="00000800000000000000" pitchFamily="2" charset="-127"/>
-                <a:ea typeface="페이북 Bold" panose="00000800000000000000" pitchFamily="2" charset="-127"/>
-              </a:rPr>
-              <a:t>모바일 버전 부분 시연</a:t>
-            </a:r>
-            <a:endParaRPr lang="ko-KR" altLang="en-US" sz="3000" dirty="0">
-              <a:latin typeface="페이북 Bold" panose="00000800000000000000" pitchFamily="2" charset="-127"/>
-              <a:ea typeface="페이북 Bold" panose="00000800000000000000" pitchFamily="2" charset="-127"/>
-            </a:endParaRPr>
-          </a:p>
-        </p:txBody>
-      </p:sp>
-      <p:sp>
-        <p:nvSpPr>
-          <p:cNvPr id="14" name="직사각형 20">
-            <a:extLst>
-              <a:ext uri="{FF2B5EF4-FFF2-40B4-BE49-F238E27FC236}">
-                <a16:creationId xmlns:a16="http://schemas.microsoft.com/office/drawing/2014/main" id="{C16DF477-8EC7-44C2-8C27-DFC87C0D2075}"/>
-              </a:ext>
-            </a:extLst>
-          </p:cNvPr>
+              <a:lnSpc>
+                <a:spcPct val="150000"/>
+              </a:lnSpc>
+              <a:defRPr/>
+            </a:pPr>
+            <a:r>
+              <a:rPr lang="en-US" altLang="ko-KR" sz="1600" b="0" spc="-100">
+                <a:solidFill>
+                  <a:schemeClr val="bg2">
+                    <a:lumMod val="25000"/>
+                  </a:schemeClr>
+                </a:solidFill>
+                <a:latin typeface="+mn-ea"/>
+                <a:ea typeface="+mn-ea"/>
+              </a:rPr>
+              <a:t>     * </a:t>
+            </a:r>
+            <a:r>
+              <a:rPr lang="ko-KR" altLang="en-US" sz="1600" b="0" spc="-100">
+                <a:solidFill>
+                  <a:schemeClr val="bg2">
+                    <a:lumMod val="25000"/>
+                  </a:schemeClr>
+                </a:solidFill>
+                <a:latin typeface="+mn-ea"/>
+                <a:ea typeface="+mn-ea"/>
+              </a:rPr>
+              <a:t>첨부 자료 예시</a:t>
+            </a:r>
+            <a:r>
+              <a:rPr lang="en-US" altLang="ko-KR" sz="1600" b="0" spc="-100">
+                <a:solidFill>
+                  <a:schemeClr val="bg2">
+                    <a:lumMod val="25000"/>
+                  </a:schemeClr>
+                </a:solidFill>
+                <a:latin typeface="+mn-ea"/>
+                <a:ea typeface="+mn-ea"/>
+              </a:rPr>
+              <a:t>: </a:t>
+            </a:r>
+            <a:r>
+              <a:rPr lang="ko-KR" altLang="en-US" sz="1600" b="0" spc="-100">
+                <a:solidFill>
+                  <a:schemeClr val="bg2">
+                    <a:lumMod val="25000"/>
+                  </a:schemeClr>
+                </a:solidFill>
+                <a:latin typeface="+mn-ea"/>
+                <a:ea typeface="+mn-ea"/>
+              </a:rPr>
+              <a:t>결과물 사진</a:t>
+            </a:r>
+            <a:r>
+              <a:rPr lang="en-US" altLang="ko-KR" sz="1600" b="0" spc="-100">
+                <a:solidFill>
+                  <a:schemeClr val="bg2">
+                    <a:lumMod val="25000"/>
+                  </a:schemeClr>
+                </a:solidFill>
+                <a:latin typeface="+mn-ea"/>
+                <a:ea typeface="+mn-ea"/>
+              </a:rPr>
+              <a:t>, </a:t>
+            </a:r>
+            <a:r>
+              <a:rPr lang="ko-KR" altLang="en-US" sz="1600" b="0" spc="-100">
+                <a:solidFill>
+                  <a:schemeClr val="bg2">
+                    <a:lumMod val="25000"/>
+                  </a:schemeClr>
+                </a:solidFill>
+                <a:latin typeface="+mn-ea"/>
+                <a:ea typeface="+mn-ea"/>
+              </a:rPr>
+              <a:t>시연 동영상</a:t>
+            </a:r>
+            <a:endParaRPr lang="ko-KR" altLang="en-US" sz="1600" b="0" spc="-100">
+              <a:solidFill>
+                <a:schemeClr val="bg2">
+                  <a:lumMod val="25000"/>
+                </a:schemeClr>
+              </a:solidFill>
+              <a:latin typeface="+mn-ea"/>
+              <a:ea typeface="+mn-ea"/>
+            </a:endParaRPr>
+          </a:p>
+        </p:txBody>
+      </p:sp>
+      <p:sp>
+        <p:nvSpPr>
+          <p:cNvPr id="86" name="직사각형 20"/>
           <p:cNvSpPr/>
           <p:nvPr/>
         </p:nvSpPr>
         <p:spPr>
-          <a:xfrm>
-            <a:off x="957373" y="1590702"/>
+          <a:xfrm rot="5400000">
+            <a:off x="771640" y="611220"/>
             <a:ext cx="484923" cy="56059"/>
           </a:xfrm>
           <a:prstGeom prst="rect">
@@ -11417,212 +11691,16 @@
           </a:p>
         </p:txBody>
       </p:sp>
-      <p:grpSp>
-        <p:nvGrpSpPr>
-          <p:cNvPr id="15" name="그룹 14">
-            <a:extLst>
-              <a:ext uri="{FF2B5EF4-FFF2-40B4-BE49-F238E27FC236}">
-                <a16:creationId xmlns:a16="http://schemas.microsoft.com/office/drawing/2014/main" id="{6FFC84F0-B466-4339-ADBE-E9D4768C9ABD}"/>
-              </a:ext>
-            </a:extLst>
-          </p:cNvPr>
-          <p:cNvGrpSpPr/>
-          <p:nvPr/>
-        </p:nvGrpSpPr>
-        <p:grpSpPr>
-          <a:xfrm>
-            <a:off x="-734857" y="542673"/>
-            <a:ext cx="6792525" cy="1048029"/>
-            <a:chOff x="2699737" y="1447745"/>
-            <a:chExt cx="6792525" cy="1048029"/>
-          </a:xfrm>
-        </p:grpSpPr>
-        <p:sp>
-          <p:nvSpPr>
-            <p:cNvPr id="16" name="TextBox 15">
-              <a:extLst>
-                <a:ext uri="{FF2B5EF4-FFF2-40B4-BE49-F238E27FC236}">
-                  <a16:creationId xmlns:a16="http://schemas.microsoft.com/office/drawing/2014/main" id="{C14D889C-7964-4DF1-83E0-29771C6D3B87}"/>
-                </a:ext>
-              </a:extLst>
-            </p:cNvPr>
-            <p:cNvSpPr txBox="1"/>
-            <p:nvPr/>
-          </p:nvSpPr>
-          <p:spPr>
-            <a:xfrm>
-              <a:off x="2699737" y="1634000"/>
-              <a:ext cx="6792525" cy="861774"/>
-            </a:xfrm>
-            <a:prstGeom prst="rect">
-              <a:avLst/>
-            </a:prstGeom>
-            <a:noFill/>
-          </p:spPr>
-          <p:txBody>
-            <a:bodyPr wrap="square">
-              <a:spAutoFit/>
-            </a:bodyPr>
-            <a:lstStyle/>
-            <a:p>
-              <a:pPr algn="ctr">
-                <a:defRPr/>
-              </a:pPr>
-              <a:r>
-                <a:rPr lang="ko-KR" altLang="en-US" sz="5000" b="1" dirty="0">
-                  <a:solidFill>
-                    <a:srgbClr val="35DBA1"/>
-                  </a:solidFill>
-                  <a:latin typeface="에스코어 드림 5 Medium"/>
-                  <a:ea typeface="에스코어 드림 5 Medium"/>
-                </a:rPr>
-                <a:t>요건 다 </a:t>
-              </a:r>
-              <a:r>
-                <a:rPr lang="ko-KR" altLang="en-US" sz="5000" b="1" dirty="0" err="1">
-                  <a:solidFill>
-                    <a:srgbClr val="35DBA1"/>
-                  </a:solidFill>
-                  <a:latin typeface="에스코어 드림 5 Medium"/>
-                  <a:ea typeface="에스코어 드림 5 Medium"/>
-                </a:rPr>
-                <a:t>내꺼</a:t>
-              </a:r>
-              <a:endParaRPr lang="ko-KR" altLang="en-US" sz="5000" b="1" dirty="0">
-                <a:solidFill>
-                  <a:srgbClr val="35DBA1"/>
-                </a:solidFill>
-                <a:latin typeface="에스코어 드림 5 Medium"/>
-                <a:ea typeface="에스코어 드림 5 Medium"/>
-              </a:endParaRPr>
-            </a:p>
-          </p:txBody>
-        </p:sp>
-        <p:sp>
-          <p:nvSpPr>
-            <p:cNvPr id="17" name="타원 15">
-              <a:extLst>
-                <a:ext uri="{FF2B5EF4-FFF2-40B4-BE49-F238E27FC236}">
-                  <a16:creationId xmlns:a16="http://schemas.microsoft.com/office/drawing/2014/main" id="{8A085869-866E-4005-9891-250C3D7F1A01}"/>
-                </a:ext>
-              </a:extLst>
-            </p:cNvPr>
-            <p:cNvSpPr/>
-            <p:nvPr/>
-          </p:nvSpPr>
-          <p:spPr>
-            <a:xfrm>
-              <a:off x="4556559" y="1450873"/>
-              <a:ext cx="180000" cy="180000"/>
-            </a:xfrm>
-            <a:prstGeom prst="ellipse">
-              <a:avLst/>
-            </a:prstGeom>
-            <a:solidFill>
-              <a:srgbClr val="46DCAC"/>
-            </a:solidFill>
-            <a:ln>
-              <a:noFill/>
-            </a:ln>
-          </p:spPr>
-          <p:style>
-            <a:lnRef idx="2">
-              <a:schemeClr val="accent1">
-                <a:shade val="50000"/>
-              </a:schemeClr>
-            </a:lnRef>
-            <a:fillRef idx="1">
-              <a:schemeClr val="accent1"/>
-            </a:fillRef>
-            <a:effectRef idx="0">
-              <a:schemeClr val="accent1"/>
-            </a:effectRef>
-            <a:fontRef idx="minor">
-              <a:schemeClr val="lt1"/>
-            </a:fontRef>
-          </p:style>
-          <p:txBody>
-            <a:bodyPr anchor="ctr"/>
-            <a:lstStyle/>
-            <a:p>
-              <a:pPr algn="ctr">
-                <a:defRPr/>
-              </a:pPr>
-              <a:endParaRPr lang="ko-KR" altLang="en-US"/>
-            </a:p>
-          </p:txBody>
-        </p:sp>
-        <p:sp>
-          <p:nvSpPr>
-            <p:cNvPr id="18" name="타원 15">
-              <a:extLst>
-                <a:ext uri="{FF2B5EF4-FFF2-40B4-BE49-F238E27FC236}">
-                  <a16:creationId xmlns:a16="http://schemas.microsoft.com/office/drawing/2014/main" id="{ABE4B82E-4F5F-40C7-AA17-C38E14D1974B}"/>
-                </a:ext>
-              </a:extLst>
-            </p:cNvPr>
-            <p:cNvSpPr/>
-            <p:nvPr/>
-          </p:nvSpPr>
-          <p:spPr>
-            <a:xfrm>
-              <a:off x="5186952" y="1447745"/>
-              <a:ext cx="180000" cy="180000"/>
-            </a:xfrm>
-            <a:prstGeom prst="ellipse">
-              <a:avLst/>
-            </a:prstGeom>
-            <a:solidFill>
-              <a:srgbClr val="46DCAC"/>
-            </a:solidFill>
-            <a:ln>
-              <a:noFill/>
-            </a:ln>
-          </p:spPr>
-          <p:style>
-            <a:lnRef idx="2">
-              <a:schemeClr val="accent1">
-                <a:shade val="50000"/>
-              </a:schemeClr>
-            </a:lnRef>
-            <a:fillRef idx="1">
-              <a:schemeClr val="accent1"/>
-            </a:fillRef>
-            <a:effectRef idx="0">
-              <a:schemeClr val="accent1"/>
-            </a:effectRef>
-            <a:fontRef idx="minor">
-              <a:schemeClr val="lt1"/>
-            </a:fontRef>
-          </p:style>
-          <p:txBody>
-            <a:bodyPr anchor="ctr"/>
-            <a:lstStyle/>
-            <a:p>
-              <a:pPr algn="ctr">
-                <a:defRPr/>
-              </a:pPr>
-              <a:endParaRPr lang="ko-KR" altLang="en-US"/>
-            </a:p>
-          </p:txBody>
-        </p:sp>
-      </p:grpSp>
-      <p:sp>
-        <p:nvSpPr>
-          <p:cNvPr id="19" name="TextBox 6">
-            <a:extLst>
-              <a:ext uri="{FF2B5EF4-FFF2-40B4-BE49-F238E27FC236}">
-                <a16:creationId xmlns:a16="http://schemas.microsoft.com/office/drawing/2014/main" id="{00F5C483-CABF-4F58-8E7D-36B22C8EBC37}"/>
-              </a:ext>
-            </a:extLst>
-          </p:cNvPr>
+      <p:sp>
+        <p:nvSpPr>
+          <p:cNvPr id="87" name="TextBox 62"/>
           <p:cNvSpPr txBox="1"/>
           <p:nvPr/>
         </p:nvSpPr>
         <p:spPr>
           <a:xfrm>
-            <a:off x="4141389" y="3044839"/>
-            <a:ext cx="1769385" cy="923330"/>
+            <a:off x="1122342" y="432761"/>
+            <a:ext cx="2684502" cy="394009"/>
           </a:xfrm>
           <a:prstGeom prst="rect">
             <a:avLst/>
@@ -11635,35 +11713,19 @@
           </a:bodyPr>
           <a:lstStyle/>
           <a:p>
-            <a:pPr marL="342900" indent="-342900">
-              <a:buFont typeface="Wingdings" panose="05000000000000000000" pitchFamily="2" charset="2"/>
-              <a:buChar char="ü"/>
-              <a:defRPr/>
-            </a:pPr>
-            <a:r>
-              <a:rPr lang="ko-KR" altLang="en-US" sz="2400" dirty="0">
-                <a:latin typeface="페이북 Bold" panose="00000800000000000000" pitchFamily="2" charset="-127"/>
-                <a:ea typeface="페이북 Bold" panose="00000800000000000000" pitchFamily="2" charset="-127"/>
-              </a:rPr>
-              <a:t>다이어리</a:t>
-            </a:r>
-          </a:p>
-          <a:p>
             <a:pPr>
               <a:defRPr/>
             </a:pPr>
-            <a:endParaRPr lang="ko-KR" altLang="en-US" sz="1500" dirty="0">
-              <a:latin typeface="페이북 Bold" panose="00000800000000000000" pitchFamily="2" charset="-127"/>
-              <a:ea typeface="페이북 Bold" panose="00000800000000000000" pitchFamily="2" charset="-127"/>
-            </a:endParaRPr>
-          </a:p>
-          <a:p>
-            <a:pPr>
-              <a:defRPr/>
-            </a:pPr>
-            <a:endParaRPr lang="ko-KR" altLang="en-US" sz="1500" dirty="0">
-              <a:latin typeface="페이북 Bold" panose="00000800000000000000" pitchFamily="2" charset="-127"/>
-              <a:ea typeface="페이북 Bold" panose="00000800000000000000" pitchFamily="2" charset="-127"/>
+            <a:r>
+              <a:rPr lang="ko-KR" altLang="en-US" sz="2000">
+                <a:latin typeface="페이북 Bold"/>
+                <a:ea typeface="페이북 Bold"/>
+              </a:rPr>
+              <a:t>프로젝트 수행 결과</a:t>
+            </a:r>
+            <a:endParaRPr lang="ko-KR" altLang="en-US" sz="2000">
+              <a:latin typeface="페이북 Bold"/>
+              <a:ea typeface="페이북 Bold"/>
             </a:endParaRPr>
           </a:p>
         </p:txBody>
@@ -11673,11 +11735,11 @@
   <p:clrMapOvr>
     <a:masterClrMapping/>
   </p:clrMapOvr>
-  <mc:AlternateContent xmlns:mc="http://schemas.openxmlformats.org/markup-compatibility/2006" xmlns:p14="http://schemas.microsoft.com/office/powerpoint/2010/main">
-    <mc:Choice Requires="p14">
-      <p:transition/>
+  <mc:AlternateContent xmlns:mc="http://schemas.openxmlformats.org/markup-compatibility/2006">
+    <mc:Choice xmlns:p14="http://schemas.microsoft.com/office/powerpoint/2010/main" Requires="p14">
+      <p:transition xmlns:mc="http://schemas.openxmlformats.org/markup-compatibility/2006" xmlns:p14="http://schemas.microsoft.com/office/powerpoint/2010/main" mc:Ignorable="p14" p14:dur="500"/>
     </mc:Choice>
-    <mc:Fallback xmlns="" xmlns:c="http://schemas.openxmlformats.org/drawingml/2006/chart" xmlns:dgm="http://schemas.openxmlformats.org/drawingml/2006/diagram" xmlns:dsp="http://schemas.microsoft.com/office/drawing/2008/diagram">
+    <mc:Fallback>
       <p:transition/>
     </mc:Fallback>
   </mc:AlternateContent>
